--- a/FedPerGNN/FedPerGNN.pptx
+++ b/FedPerGNN/FedPerGNN.pptx
@@ -133,7 +133,7 @@
             <a:srgbClr val="A4A3A4"/>
           </p15:clr>
         </p15:guide>
-        <p15:guide id="2" pos="3843" userDrawn="1">
+        <p15:guide id="2" pos="3823" userDrawn="1">
           <p15:clr>
             <a:srgbClr val="A4A3A4"/>
           </p15:clr>
@@ -153,7 +153,7 @@
             <a:srgbClr val="A4A3A4"/>
           </p15:clr>
         </p15:guide>
-        <p15:guide id="6" orient="horz" pos="561" userDrawn="1">
+        <p15:guide id="6" orient="horz" pos="560" userDrawn="1">
           <p15:clr>
             <a:srgbClr val="A4A3A4"/>
           </p15:clr>
@@ -11042,7 +11042,7 @@
                 <a:cs typeface="Calibri" panose="020F0502020204030204" pitchFamily="34" charset="0"/>
                 <a:sym typeface="+mn-ea"/>
               </a:rPr>
-              <a:t>3. 在上传item向量映射的梯度时保护user真正交互的item —&gt;在这一过程中生成一定数量的随机抽样的</a:t>
+              <a:t>3. 在上传item向量映射的梯度时保护user真正交互的item —&gt;生成一定数量的随机抽样的</a:t>
             </a:r>
             <a:r>
               <a:rPr kumimoji="1" lang="en-US" altLang="zh-CN" sz="2000" dirty="0">
